--- a/Clase 0.pptx
+++ b/Clase 0.pptx
@@ -5,18 +5,19 @@
     <p:sldMasterId id="2147483660" r:id="rId1"/>
   </p:sldMasterIdLst>
   <p:notesMasterIdLst>
-    <p:notesMasterId r:id="rId11"/>
+    <p:notesMasterId r:id="rId12"/>
   </p:notesMasterIdLst>
   <p:sldIdLst>
     <p:sldId id="258" r:id="rId2"/>
     <p:sldId id="261" r:id="rId3"/>
     <p:sldId id="268" r:id="rId4"/>
-    <p:sldId id="270" r:id="rId5"/>
-    <p:sldId id="269" r:id="rId6"/>
-    <p:sldId id="272" r:id="rId7"/>
-    <p:sldId id="271" r:id="rId8"/>
-    <p:sldId id="273" r:id="rId9"/>
-    <p:sldId id="267" r:id="rId10"/>
+    <p:sldId id="274" r:id="rId5"/>
+    <p:sldId id="270" r:id="rId6"/>
+    <p:sldId id="269" r:id="rId7"/>
+    <p:sldId id="272" r:id="rId8"/>
+    <p:sldId id="271" r:id="rId9"/>
+    <p:sldId id="273" r:id="rId10"/>
+    <p:sldId id="267" r:id="rId11"/>
   </p:sldIdLst>
   <p:sldSz cx="12192000" cy="6858000"/>
   <p:notesSz cx="6858000" cy="9144000"/>
@@ -216,7 +217,7 @@
           <a:p>
             <a:fld id="{6D75194F-2CBD-487E-937E-372F803761BC}" type="datetimeFigureOut">
               <a:rPr lang="es-CR" smtClean="0"/>
-              <a:t>19/1/21</a:t>
+              <a:t>21/1/21</a:t>
             </a:fld>
             <a:endParaRPr lang="es-CR"/>
           </a:p>
@@ -580,7 +581,7 @@
           <a:p>
             <a:fld id="{941DDAE9-9324-4B9F-9BAE-E049CAED3669}" type="slidenum">
               <a:rPr lang="es-CR" smtClean="0"/>
-              <a:t>4</a:t>
+              <a:t>5</a:t>
             </a:fld>
             <a:endParaRPr lang="es-CR"/>
           </a:p>
@@ -679,7 +680,7 @@
           <a:p>
             <a:fld id="{941DDAE9-9324-4B9F-9BAE-E049CAED3669}" type="slidenum">
               <a:rPr lang="es-CR" smtClean="0"/>
-              <a:t>6</a:t>
+              <a:t>7</a:t>
             </a:fld>
             <a:endParaRPr lang="es-CR"/>
           </a:p>
@@ -807,7 +808,7 @@
           <a:p>
             <a:fld id="{07696E89-D1F6-4349-9501-76A218A7375F}" type="datetimeFigureOut">
               <a:rPr lang="es-CR" smtClean="0"/>
-              <a:t>19/1/21</a:t>
+              <a:t>21/1/21</a:t>
             </a:fld>
             <a:endParaRPr lang="es-CR"/>
           </a:p>
@@ -999,7 +1000,7 @@
           <a:p>
             <a:fld id="{07696E89-D1F6-4349-9501-76A218A7375F}" type="datetimeFigureOut">
               <a:rPr lang="es-CR" smtClean="0"/>
-              <a:t>19/1/21</a:t>
+              <a:t>21/1/21</a:t>
             </a:fld>
             <a:endParaRPr lang="es-CR"/>
           </a:p>
@@ -1242,7 +1243,7 @@
           <a:p>
             <a:fld id="{07696E89-D1F6-4349-9501-76A218A7375F}" type="datetimeFigureOut">
               <a:rPr lang="es-CR" smtClean="0"/>
-              <a:t>19/1/21</a:t>
+              <a:t>21/1/21</a:t>
             </a:fld>
             <a:endParaRPr lang="es-CR"/>
           </a:p>
@@ -1743,6 +1744,87 @@
 </p:sld>
 </file>
 
+<file path=ppt/slides/slide10.xml><?xml version="1.0" encoding="utf-8"?>
+<p:sld xmlns:a="http://schemas.openxmlformats.org/drawingml/2006/main" xmlns:r="http://schemas.openxmlformats.org/officeDocument/2006/relationships" xmlns:p="http://schemas.openxmlformats.org/presentationml/2006/main">
+  <p:cSld>
+    <p:spTree>
+      <p:nvGrpSpPr>
+        <p:cNvPr id="1" name=""/>
+        <p:cNvGrpSpPr/>
+        <p:nvPr/>
+      </p:nvGrpSpPr>
+      <p:grpSpPr>
+        <a:xfrm>
+          <a:off x="0" y="0"/>
+          <a:ext cx="0" cy="0"/>
+          <a:chOff x="0" y="0"/>
+          <a:chExt cx="0" cy="0"/>
+        </a:xfrm>
+      </p:grpSpPr>
+      <p:sp>
+        <p:nvSpPr>
+          <p:cNvPr id="2" name="Title 1">
+            <a:extLst>
+              <a:ext uri="{FF2B5EF4-FFF2-40B4-BE49-F238E27FC236}">
+                <a16:creationId xmlns:a16="http://schemas.microsoft.com/office/drawing/2014/main" id="{401AE1F0-99EE-40EC-9B4B-4561592735BF}"/>
+              </a:ext>
+            </a:extLst>
+          </p:cNvPr>
+          <p:cNvSpPr>
+            <a:spLocks noGrp="1"/>
+          </p:cNvSpPr>
+          <p:nvPr>
+            <p:ph type="title"/>
+          </p:nvPr>
+        </p:nvSpPr>
+        <p:spPr>
+          <a:xfrm>
+            <a:off x="1254672" y="2766218"/>
+            <a:ext cx="9682655" cy="1325563"/>
+          </a:xfrm>
+        </p:spPr>
+        <p:txBody>
+          <a:bodyPr>
+            <a:normAutofit/>
+          </a:bodyPr>
+          <a:lstStyle/>
+          <a:p>
+            <a:pPr algn="ctr">
+              <a:lnSpc>
+                <a:spcPct val="100000"/>
+              </a:lnSpc>
+              <a:spcBef>
+                <a:spcPts val="0"/>
+              </a:spcBef>
+              <a:defRPr/>
+            </a:pPr>
+            <a:r>
+              <a:rPr lang="es-CR" sz="4800" b="1" dirty="0">
+                <a:solidFill>
+                  <a:srgbClr val="002060"/>
+                </a:solidFill>
+                <a:latin typeface="+mn-lt"/>
+                <a:ea typeface="+mn-ea"/>
+                <a:cs typeface="+mn-cs"/>
+              </a:rPr>
+              <a:t>Muchas gracias!</a:t>
+            </a:r>
+          </a:p>
+        </p:txBody>
+      </p:sp>
+    </p:spTree>
+    <p:extLst>
+      <p:ext uri="{BB962C8B-B14F-4D97-AF65-F5344CB8AC3E}">
+        <p14:creationId xmlns:p14="http://schemas.microsoft.com/office/powerpoint/2010/main" val="1097581986"/>
+      </p:ext>
+    </p:extLst>
+  </p:cSld>
+  <p:clrMapOvr>
+    <a:masterClrMapping/>
+  </p:clrMapOvr>
+</p:sld>
+</file>
+
 <file path=ppt/slides/slide2.xml><?xml version="1.0" encoding="utf-8"?>
 <p:sld xmlns:a="http://schemas.openxmlformats.org/drawingml/2006/main" xmlns:r="http://schemas.openxmlformats.org/officeDocument/2006/relationships" xmlns:p="http://schemas.openxmlformats.org/presentationml/2006/main">
   <p:cSld>
@@ -1858,6 +1940,13 @@
               <a:buNone/>
             </a:pPr>
             <a:endParaRPr lang="es-CR" dirty="0"/>
+          </a:p>
+          <a:p>
+            <a:pPr lvl="1" algn="just"/>
+            <a:r>
+              <a:rPr lang="es-ES" sz="2800" dirty="0"/>
+              <a:t>Aspectos generales</a:t>
+            </a:r>
           </a:p>
           <a:p>
             <a:pPr lvl="1" algn="just"/>
@@ -2000,7 +2089,7 @@
                   <a:srgbClr val="002060"/>
                 </a:solidFill>
               </a:rPr>
-              <a:t>Breve historia lenguaje R</a:t>
+              <a:t>Aspectos generales</a:t>
             </a:r>
           </a:p>
         </p:txBody>
@@ -2036,23 +2125,21 @@
             <a:pPr lvl="1" algn="just"/>
             <a:r>
               <a:rPr lang="es-ES" sz="2800" dirty="0"/>
-              <a:t>El proyecto R fue iniciado en 1992 por Ross </a:t>
-            </a:r>
-            <a:r>
-              <a:rPr lang="es-ES" sz="2800" dirty="0" err="1"/>
-              <a:t>Ishaka</a:t>
-            </a:r>
-            <a:r>
-              <a:rPr lang="es-ES" sz="2800" dirty="0"/>
-              <a:t> and Robert Gentleman del Departamento de Estadística de la Universidad de Auckland. R es un dialecto de S lenguaje desarrollado en 1976 por John </a:t>
-            </a:r>
-            <a:r>
-              <a:rPr lang="es-ES" sz="2800" dirty="0" err="1"/>
-              <a:t>Chambers</a:t>
-            </a:r>
-            <a:r>
-              <a:rPr lang="es-ES" sz="2800" dirty="0"/>
-              <a:t>.</a:t>
+              <a:t>Horario: </a:t>
+            </a:r>
+          </a:p>
+          <a:p>
+            <a:pPr lvl="2" algn="just"/>
+            <a:r>
+              <a:rPr lang="es-ES" sz="2400" dirty="0"/>
+              <a:t>Martes 8:30 am – 10:30 am (Teórica)</a:t>
+            </a:r>
+          </a:p>
+          <a:p>
+            <a:pPr lvl="2" algn="just"/>
+            <a:r>
+              <a:rPr lang="es-ES" sz="2400" dirty="0"/>
+              <a:t>Viernes 8:30 am – 10:00 am (Práctica)</a:t>
             </a:r>
           </a:p>
           <a:p>
@@ -2063,7 +2150,21 @@
             <a:pPr lvl="1" algn="just"/>
             <a:r>
               <a:rPr lang="es-CR" sz="2800" dirty="0"/>
-              <a:t>En el año de 1995 Martin Mächler de la Escuela Politécnica Federal de Zúrich, convence Ross y Robert a usar la licencia GNU para hacer de R software libre. </a:t>
+              <a:t>Evaluación</a:t>
+            </a:r>
+          </a:p>
+          <a:p>
+            <a:pPr lvl="2" algn="just"/>
+            <a:r>
+              <a:rPr lang="es-CR" sz="2400" dirty="0"/>
+              <a:t>Quices Campus BN: Cada viernes hasta las 8:00pm. (1 o 2 intentos, selección única)</a:t>
+            </a:r>
+          </a:p>
+          <a:p>
+            <a:pPr lvl="2" algn="just"/>
+            <a:r>
+              <a:rPr lang="es-CR" sz="2400" dirty="0"/>
+              <a:t>Mini proyecto final.  </a:t>
             </a:r>
           </a:p>
           <a:p>
@@ -2120,6 +2221,184 @@
           <p:nvPr/>
         </p:nvPicPr>
         <p:blipFill>
+          <a:blip r:embed="rId2">
+            <a:extLst>
+              <a:ext uri="{28A0092B-C50C-407E-A947-70E740481C1C}">
+                <a14:useLocalDpi xmlns:a14="http://schemas.microsoft.com/office/drawing/2010/main" val="0"/>
+              </a:ext>
+            </a:extLst>
+          </a:blip>
+          <a:stretch>
+            <a:fillRect/>
+          </a:stretch>
+        </p:blipFill>
+        <p:spPr>
+          <a:xfrm>
+            <a:off x="-702366" y="3347"/>
+            <a:ext cx="12683083" cy="6854653"/>
+          </a:xfrm>
+          <a:prstGeom prst="rect">
+            <a:avLst/>
+          </a:prstGeom>
+        </p:spPr>
+      </p:pic>
+      <p:sp>
+        <p:nvSpPr>
+          <p:cNvPr id="2" name="Título 1"/>
+          <p:cNvSpPr>
+            <a:spLocks noGrp="1"/>
+          </p:cNvSpPr>
+          <p:nvPr>
+            <p:ph type="title"/>
+          </p:nvPr>
+        </p:nvSpPr>
+        <p:spPr>
+          <a:xfrm>
+            <a:off x="194256" y="390882"/>
+            <a:ext cx="10515600" cy="1325563"/>
+          </a:xfrm>
+        </p:spPr>
+        <p:txBody>
+          <a:bodyPr>
+            <a:normAutofit/>
+          </a:bodyPr>
+          <a:lstStyle/>
+          <a:p>
+            <a:pPr>
+              <a:lnSpc>
+                <a:spcPct val="100000"/>
+              </a:lnSpc>
+              <a:spcBef>
+                <a:spcPts val="0"/>
+              </a:spcBef>
+              <a:defRPr/>
+            </a:pPr>
+            <a:r>
+              <a:rPr lang="es-CR" sz="4800" b="1" dirty="0">
+                <a:solidFill>
+                  <a:srgbClr val="002060"/>
+                </a:solidFill>
+              </a:rPr>
+              <a:t>Breve historia lenguaje R</a:t>
+            </a:r>
+          </a:p>
+        </p:txBody>
+      </p:sp>
+      <p:sp>
+        <p:nvSpPr>
+          <p:cNvPr id="3" name="Marcador de contenido 2"/>
+          <p:cNvSpPr>
+            <a:spLocks noGrp="1"/>
+          </p:cNvSpPr>
+          <p:nvPr>
+            <p:ph idx="1"/>
+          </p:nvPr>
+        </p:nvSpPr>
+        <p:spPr>
+          <a:xfrm>
+            <a:off x="0" y="1557419"/>
+            <a:ext cx="11657400" cy="4167520"/>
+          </a:xfrm>
+        </p:spPr>
+        <p:txBody>
+          <a:bodyPr>
+            <a:normAutofit/>
+          </a:bodyPr>
+          <a:lstStyle/>
+          <a:p>
+            <a:pPr marL="0" indent="0" algn="just">
+              <a:buNone/>
+            </a:pPr>
+            <a:endParaRPr lang="es-CR" dirty="0"/>
+          </a:p>
+          <a:p>
+            <a:pPr lvl="1" algn="just"/>
+            <a:r>
+              <a:rPr lang="es-ES" sz="2800" dirty="0"/>
+              <a:t>El proyecto R fue iniciado en 1992 por Ross </a:t>
+            </a:r>
+            <a:r>
+              <a:rPr lang="es-ES" sz="2800" dirty="0" err="1"/>
+              <a:t>Ihaka</a:t>
+            </a:r>
+            <a:r>
+              <a:rPr lang="es-ES" sz="2800" dirty="0"/>
+              <a:t> and Robert Gentleman del Departamento de Estadística de la Universidad de Auckland. R es un dialecto de S lenguaje desarrollado en 1976 por John </a:t>
+            </a:r>
+            <a:r>
+              <a:rPr lang="es-ES" sz="2800" dirty="0" err="1"/>
+              <a:t>Chambers</a:t>
+            </a:r>
+            <a:r>
+              <a:rPr lang="es-ES" sz="2800" dirty="0"/>
+              <a:t>.</a:t>
+            </a:r>
+          </a:p>
+          <a:p>
+            <a:pPr lvl="1" algn="just"/>
+            <a:endParaRPr lang="es-ES" sz="2800" dirty="0"/>
+          </a:p>
+          <a:p>
+            <a:pPr lvl="1" algn="just"/>
+            <a:r>
+              <a:rPr lang="es-CR" sz="2800" dirty="0"/>
+              <a:t>En el año de 1995 Martin Mächler de la Escuela Politécnica Federal de Zurich, convence a Ross y Robert a usar la licencia GNU para hacer de R software libre. </a:t>
+            </a:r>
+          </a:p>
+          <a:p>
+            <a:pPr lvl="1" algn="just"/>
+            <a:endParaRPr lang="es-CR" dirty="0"/>
+          </a:p>
+          <a:p>
+            <a:endParaRPr lang="es-CR" dirty="0"/>
+          </a:p>
+          <a:p>
+            <a:pPr marL="0" indent="0">
+              <a:buNone/>
+            </a:pPr>
+            <a:endParaRPr lang="es-CR" dirty="0"/>
+          </a:p>
+        </p:txBody>
+      </p:sp>
+    </p:spTree>
+    <p:extLst>
+      <p:ext uri="{BB962C8B-B14F-4D97-AF65-F5344CB8AC3E}">
+        <p14:creationId xmlns:p14="http://schemas.microsoft.com/office/powerpoint/2010/main" val="2321950402"/>
+      </p:ext>
+    </p:extLst>
+  </p:cSld>
+  <p:clrMapOvr>
+    <a:masterClrMapping/>
+  </p:clrMapOvr>
+</p:sld>
+</file>
+
+<file path=ppt/slides/slide5.xml><?xml version="1.0" encoding="utf-8"?>
+<p:sld xmlns:a="http://schemas.openxmlformats.org/drawingml/2006/main" xmlns:r="http://schemas.openxmlformats.org/officeDocument/2006/relationships" xmlns:p="http://schemas.openxmlformats.org/presentationml/2006/main">
+  <p:cSld>
+    <p:spTree>
+      <p:nvGrpSpPr>
+        <p:cNvPr id="1" name=""/>
+        <p:cNvGrpSpPr/>
+        <p:nvPr/>
+      </p:nvGrpSpPr>
+      <p:grpSpPr>
+        <a:xfrm>
+          <a:off x="0" y="0"/>
+          <a:ext cx="0" cy="0"/>
+          <a:chOff x="0" y="0"/>
+          <a:chExt cx="0" cy="0"/>
+        </a:xfrm>
+      </p:grpSpPr>
+      <p:pic>
+        <p:nvPicPr>
+          <p:cNvPr id="5" name="Imagen 4"/>
+          <p:cNvPicPr>
+            <a:picLocks noChangeAspect="1"/>
+          </p:cNvPicPr>
+          <p:nvPr/>
+        </p:nvPicPr>
+        <p:blipFill>
           <a:blip r:embed="rId3">
             <a:extLst>
               <a:ext uri="{28A0092B-C50C-407E-A947-70E740481C1C}">
@@ -2278,7 +2557,7 @@
 </p:sld>
 </file>
 
-<file path=ppt/slides/slide5.xml><?xml version="1.0" encoding="utf-8"?>
+<file path=ppt/slides/slide6.xml><?xml version="1.0" encoding="utf-8"?>
 <p:sld xmlns:a="http://schemas.openxmlformats.org/drawingml/2006/main" xmlns:r="http://schemas.openxmlformats.org/officeDocument/2006/relationships" xmlns:p="http://schemas.openxmlformats.org/presentationml/2006/main">
   <p:cSld>
     <p:spTree>
@@ -2398,7 +2677,7 @@
             <a:pPr lvl="1" algn="just"/>
             <a:r>
               <a:rPr lang="es-ES" sz="2800" dirty="0"/>
-              <a:t>El dominio de R da competencia para resolver problemas estadísticos de gran complejidad que no se pueden afrontar con otras herramientas comerciales.</a:t>
+              <a:t>El dominio de R da habilidades para resolver problemas estadísticos de gran complejidad que no se pueden afrontar con otras herramientas comerciales.</a:t>
             </a:r>
           </a:p>
           <a:p>
@@ -2452,7 +2731,7 @@
 </p:sld>
 </file>
 
-<file path=ppt/slides/slide6.xml><?xml version="1.0" encoding="utf-8"?>
+<file path=ppt/slides/slide7.xml><?xml version="1.0" encoding="utf-8"?>
 <p:sld xmlns:a="http://schemas.openxmlformats.org/drawingml/2006/main" xmlns:r="http://schemas.openxmlformats.org/officeDocument/2006/relationships" xmlns:p="http://schemas.openxmlformats.org/presentationml/2006/main">
   <p:cSld>
     <p:spTree>
@@ -2764,7 +3043,7 @@
 </p:sld>
 </file>
 
-<file path=ppt/slides/slide7.xml><?xml version="1.0" encoding="utf-8"?>
+<file path=ppt/slides/slide8.xml><?xml version="1.0" encoding="utf-8"?>
 <p:sld xmlns:a="http://schemas.openxmlformats.org/drawingml/2006/main" xmlns:r="http://schemas.openxmlformats.org/officeDocument/2006/relationships" xmlns:p="http://schemas.openxmlformats.org/presentationml/2006/main">
   <p:cSld>
     <p:spTree>
@@ -2938,7 +3217,7 @@
 </p:sld>
 </file>
 
-<file path=ppt/slides/slide8.xml><?xml version="1.0" encoding="utf-8"?>
+<file path=ppt/slides/slide9.xml><?xml version="1.0" encoding="utf-8"?>
 <p:sld xmlns:a="http://schemas.openxmlformats.org/drawingml/2006/main" xmlns:r="http://schemas.openxmlformats.org/officeDocument/2006/relationships" xmlns:p="http://schemas.openxmlformats.org/presentationml/2006/main">
   <p:cSld>
     <p:spTree>
@@ -3006,87 +3285,6 @@
     <p:extLst>
       <p:ext uri="{BB962C8B-B14F-4D97-AF65-F5344CB8AC3E}">
         <p14:creationId xmlns:p14="http://schemas.microsoft.com/office/powerpoint/2010/main" val="1571661287"/>
-      </p:ext>
-    </p:extLst>
-  </p:cSld>
-  <p:clrMapOvr>
-    <a:masterClrMapping/>
-  </p:clrMapOvr>
-</p:sld>
-</file>
-
-<file path=ppt/slides/slide9.xml><?xml version="1.0" encoding="utf-8"?>
-<p:sld xmlns:a="http://schemas.openxmlformats.org/drawingml/2006/main" xmlns:r="http://schemas.openxmlformats.org/officeDocument/2006/relationships" xmlns:p="http://schemas.openxmlformats.org/presentationml/2006/main">
-  <p:cSld>
-    <p:spTree>
-      <p:nvGrpSpPr>
-        <p:cNvPr id="1" name=""/>
-        <p:cNvGrpSpPr/>
-        <p:nvPr/>
-      </p:nvGrpSpPr>
-      <p:grpSpPr>
-        <a:xfrm>
-          <a:off x="0" y="0"/>
-          <a:ext cx="0" cy="0"/>
-          <a:chOff x="0" y="0"/>
-          <a:chExt cx="0" cy="0"/>
-        </a:xfrm>
-      </p:grpSpPr>
-      <p:sp>
-        <p:nvSpPr>
-          <p:cNvPr id="2" name="Title 1">
-            <a:extLst>
-              <a:ext uri="{FF2B5EF4-FFF2-40B4-BE49-F238E27FC236}">
-                <a16:creationId xmlns:a16="http://schemas.microsoft.com/office/drawing/2014/main" id="{401AE1F0-99EE-40EC-9B4B-4561592735BF}"/>
-              </a:ext>
-            </a:extLst>
-          </p:cNvPr>
-          <p:cNvSpPr>
-            <a:spLocks noGrp="1"/>
-          </p:cNvSpPr>
-          <p:nvPr>
-            <p:ph type="title"/>
-          </p:nvPr>
-        </p:nvSpPr>
-        <p:spPr>
-          <a:xfrm>
-            <a:off x="1254672" y="2766218"/>
-            <a:ext cx="9682655" cy="1325563"/>
-          </a:xfrm>
-        </p:spPr>
-        <p:txBody>
-          <a:bodyPr>
-            <a:normAutofit/>
-          </a:bodyPr>
-          <a:lstStyle/>
-          <a:p>
-            <a:pPr algn="ctr">
-              <a:lnSpc>
-                <a:spcPct val="100000"/>
-              </a:lnSpc>
-              <a:spcBef>
-                <a:spcPts val="0"/>
-              </a:spcBef>
-              <a:defRPr/>
-            </a:pPr>
-            <a:r>
-              <a:rPr lang="es-CR" sz="4800" b="1" dirty="0">
-                <a:solidFill>
-                  <a:srgbClr val="002060"/>
-                </a:solidFill>
-                <a:latin typeface="+mn-lt"/>
-                <a:ea typeface="+mn-ea"/>
-                <a:cs typeface="+mn-cs"/>
-              </a:rPr>
-              <a:t>Muchas gracias!</a:t>
-            </a:r>
-          </a:p>
-        </p:txBody>
-      </p:sp>
-    </p:spTree>
-    <p:extLst>
-      <p:ext uri="{BB962C8B-B14F-4D97-AF65-F5344CB8AC3E}">
-        <p14:creationId xmlns:p14="http://schemas.microsoft.com/office/powerpoint/2010/main" val="1097581986"/>
       </p:ext>
     </p:extLst>
   </p:cSld>
